--- a/Modules/08-foodcritic.pptx
+++ b/Modules/08-foodcritic.pptx
@@ -221,7 +221,7 @@
           <a:p>
             <a:fld id="{9AF33057-6D84-D14E-AD32-9E8926ACCADD}" type="datetimeFigureOut">
               <a:rPr lang="en-US" smtClean="0"/>
-              <a:t>7/6/2015</a:t>
+              <a:t>7/7/2015</a:t>
             </a:fld>
             <a:endParaRPr lang="en-US" dirty="0"/>
           </a:p>
@@ -829,6 +829,90 @@
 </p:notes>
 </file>
 
+<file path=ppt/notesSlides/notesSlide5.xml><?xml version="1.0" encoding="utf-8"?>
+<p:notes xmlns:a="http://schemas.openxmlformats.org/drawingml/2006/main" xmlns:r="http://schemas.openxmlformats.org/officeDocument/2006/relationships" xmlns:p="http://schemas.openxmlformats.org/presentationml/2006/main">
+  <p:cSld>
+    <p:spTree>
+      <p:nvGrpSpPr>
+        <p:cNvPr id="1" name=""/>
+        <p:cNvGrpSpPr/>
+        <p:nvPr/>
+      </p:nvGrpSpPr>
+      <p:grpSpPr>
+        <a:xfrm>
+          <a:off x="0" y="0"/>
+          <a:ext cx="0" cy="0"/>
+          <a:chOff x="0" y="0"/>
+          <a:chExt cx="0" cy="0"/>
+        </a:xfrm>
+      </p:grpSpPr>
+      <p:sp>
+        <p:nvSpPr>
+          <p:cNvPr id="2" name="Slide Image Placeholder 1"/>
+          <p:cNvSpPr>
+            <a:spLocks noGrp="1" noRot="1" noChangeAspect="1"/>
+          </p:cNvSpPr>
+          <p:nvPr>
+            <p:ph type="sldImg"/>
+          </p:nvPr>
+        </p:nvSpPr>
+        <p:spPr/>
+      </p:sp>
+      <p:sp>
+        <p:nvSpPr>
+          <p:cNvPr id="3" name="Notes Placeholder 2"/>
+          <p:cNvSpPr>
+            <a:spLocks noGrp="1"/>
+          </p:cNvSpPr>
+          <p:nvPr>
+            <p:ph type="body" idx="1"/>
+          </p:nvPr>
+        </p:nvSpPr>
+        <p:spPr/>
+        <p:txBody>
+          <a:bodyPr/>
+          <a:lstStyle/>
+          <a:p>
+            <a:endParaRPr lang="en-US"/>
+          </a:p>
+        </p:txBody>
+      </p:sp>
+      <p:sp>
+        <p:nvSpPr>
+          <p:cNvPr id="4" name="Slide Number Placeholder 3"/>
+          <p:cNvSpPr>
+            <a:spLocks noGrp="1"/>
+          </p:cNvSpPr>
+          <p:nvPr>
+            <p:ph type="sldNum" sz="quarter" idx="10"/>
+          </p:nvPr>
+        </p:nvSpPr>
+        <p:spPr/>
+        <p:txBody>
+          <a:bodyPr/>
+          <a:lstStyle/>
+          <a:p>
+            <a:fld id="{458270A1-F167-1041-AC6D-20F4E2C0DE9C}" type="slidenum">
+              <a:rPr lang="en-US" smtClean="0"/>
+              <a:t>13</a:t>
+            </a:fld>
+            <a:endParaRPr lang="en-US" dirty="0"/>
+          </a:p>
+        </p:txBody>
+      </p:sp>
+    </p:spTree>
+    <p:extLst>
+      <p:ext uri="{BB962C8B-B14F-4D97-AF65-F5344CB8AC3E}">
+        <p14:creationId xmlns:p14="http://schemas.microsoft.com/office/powerpoint/2010/main" val="3440497363"/>
+      </p:ext>
+    </p:extLst>
+  </p:cSld>
+  <p:clrMapOvr>
+    <a:masterClrMapping/>
+  </p:clrMapOvr>
+</p:notes>
+</file>
+
 <file path=ppt/slideLayouts/slideLayout1.xml><?xml version="1.0" encoding="utf-8"?>
 <p:sldLayout xmlns:a="http://schemas.openxmlformats.org/drawingml/2006/main" xmlns:r="http://schemas.openxmlformats.org/officeDocument/2006/relationships" xmlns:p="http://schemas.openxmlformats.org/presentationml/2006/main" type="obj" preserve="1">
   <p:cSld name="Title Slide">
@@ -1045,7 +1129,9 @@
           <a:bodyPr/>
           <a:lstStyle>
             <a:lvl1pPr algn="ctr">
-              <a:defRPr/>
+              <a:defRPr sz="1600">
+                <a:latin typeface="Gill Sans MT" panose="020B0502020104020203" pitchFamily="34" charset="0"/>
+              </a:defRPr>
             </a:lvl1pPr>
           </a:lstStyle>
           <a:p>
@@ -1054,6 +1140,132 @@
               <a:pPr/>
               <a:t>‹#›</a:t>
             </a:fld>
+            <a:endParaRPr lang="en-US" dirty="0"/>
+          </a:p>
+        </p:txBody>
+      </p:sp>
+      <p:sp>
+        <p:nvSpPr>
+          <p:cNvPr id="6" name="object 41"/>
+          <p:cNvSpPr txBox="1">
+            <a:spLocks/>
+          </p:cNvSpPr>
+          <p:nvPr userDrawn="1"/>
+        </p:nvSpPr>
+        <p:spPr>
+          <a:xfrm>
+            <a:off x="7864144" y="8547113"/>
+            <a:ext cx="533400" cy="251143"/>
+          </a:xfrm>
+          <a:prstGeom prst="rect">
+            <a:avLst/>
+          </a:prstGeom>
+        </p:spPr>
+        <p:txBody>
+          <a:bodyPr vert="horz" wrap="square" lIns="0" tIns="0" rIns="0" bIns="0" rtlCol="0">
+            <a:spAutoFit/>
+          </a:bodyPr>
+          <a:lstStyle>
+            <a:defPPr>
+              <a:defRPr lang="en-US"/>
+            </a:defPPr>
+            <a:lvl1pPr marL="0" algn="l" defTabSz="914400" rtl="0" eaLnBrk="1" latinLnBrk="0" hangingPunct="1">
+              <a:defRPr sz="1600" b="0" i="0" kern="1200">
+                <a:solidFill>
+                  <a:schemeClr val="tx1"/>
+                </a:solidFill>
+                <a:latin typeface="Gill Sans MT"/>
+                <a:ea typeface="+mn-ea"/>
+                <a:cs typeface="Gill Sans MT"/>
+              </a:defRPr>
+            </a:lvl1pPr>
+            <a:lvl2pPr marL="457200" algn="l" defTabSz="914400" rtl="0" eaLnBrk="1" latinLnBrk="0" hangingPunct="1">
+              <a:defRPr sz="1800" kern="1200">
+                <a:solidFill>
+                  <a:schemeClr val="tx1"/>
+                </a:solidFill>
+                <a:latin typeface="+mn-lt"/>
+                <a:ea typeface="+mn-ea"/>
+                <a:cs typeface="+mn-cs"/>
+              </a:defRPr>
+            </a:lvl2pPr>
+            <a:lvl3pPr marL="914400" algn="l" defTabSz="914400" rtl="0" eaLnBrk="1" latinLnBrk="0" hangingPunct="1">
+              <a:defRPr sz="1800" kern="1200">
+                <a:solidFill>
+                  <a:schemeClr val="tx1"/>
+                </a:solidFill>
+                <a:latin typeface="+mn-lt"/>
+                <a:ea typeface="+mn-ea"/>
+                <a:cs typeface="+mn-cs"/>
+              </a:defRPr>
+            </a:lvl3pPr>
+            <a:lvl4pPr marL="1371600" algn="l" defTabSz="914400" rtl="0" eaLnBrk="1" latinLnBrk="0" hangingPunct="1">
+              <a:defRPr sz="1800" kern="1200">
+                <a:solidFill>
+                  <a:schemeClr val="tx1"/>
+                </a:solidFill>
+                <a:latin typeface="+mn-lt"/>
+                <a:ea typeface="+mn-ea"/>
+                <a:cs typeface="+mn-cs"/>
+              </a:defRPr>
+            </a:lvl4pPr>
+            <a:lvl5pPr marL="1828800" algn="l" defTabSz="914400" rtl="0" eaLnBrk="1" latinLnBrk="0" hangingPunct="1">
+              <a:defRPr sz="1800" kern="1200">
+                <a:solidFill>
+                  <a:schemeClr val="tx1"/>
+                </a:solidFill>
+                <a:latin typeface="+mn-lt"/>
+                <a:ea typeface="+mn-ea"/>
+                <a:cs typeface="+mn-cs"/>
+              </a:defRPr>
+            </a:lvl5pPr>
+            <a:lvl6pPr marL="2286000" algn="l" defTabSz="914400" rtl="0" eaLnBrk="1" latinLnBrk="0" hangingPunct="1">
+              <a:defRPr sz="1800" kern="1200">
+                <a:solidFill>
+                  <a:schemeClr val="tx1"/>
+                </a:solidFill>
+                <a:latin typeface="+mn-lt"/>
+                <a:ea typeface="+mn-ea"/>
+                <a:cs typeface="+mn-cs"/>
+              </a:defRPr>
+            </a:lvl6pPr>
+            <a:lvl7pPr marL="2743200" algn="l" defTabSz="914400" rtl="0" eaLnBrk="1" latinLnBrk="0" hangingPunct="1">
+              <a:defRPr sz="1800" kern="1200">
+                <a:solidFill>
+                  <a:schemeClr val="tx1"/>
+                </a:solidFill>
+                <a:latin typeface="+mn-lt"/>
+                <a:ea typeface="+mn-ea"/>
+                <a:cs typeface="+mn-cs"/>
+              </a:defRPr>
+            </a:lvl7pPr>
+            <a:lvl8pPr marL="3200400" algn="l" defTabSz="914400" rtl="0" eaLnBrk="1" latinLnBrk="0" hangingPunct="1">
+              <a:defRPr sz="1800" kern="1200">
+                <a:solidFill>
+                  <a:schemeClr val="tx1"/>
+                </a:solidFill>
+                <a:latin typeface="+mn-lt"/>
+                <a:ea typeface="+mn-ea"/>
+                <a:cs typeface="+mn-cs"/>
+              </a:defRPr>
+            </a:lvl8pPr>
+            <a:lvl9pPr marL="3657600" algn="l" defTabSz="914400" rtl="0" eaLnBrk="1" latinLnBrk="0" hangingPunct="1">
+              <a:defRPr sz="1800" kern="1200">
+                <a:solidFill>
+                  <a:schemeClr val="tx1"/>
+                </a:solidFill>
+                <a:latin typeface="+mn-lt"/>
+                <a:ea typeface="+mn-ea"/>
+                <a:cs typeface="+mn-cs"/>
+              </a:defRPr>
+            </a:lvl9pPr>
+          </a:lstStyle>
+          <a:p>
+            <a:pPr marL="25400"/>
+            <a:r>
+              <a:rPr lang="en-US" dirty="0" smtClean="0"/>
+              <a:t>8-</a:t>
+            </a:r>
             <a:endParaRPr lang="en-US" dirty="0"/>
           </a:p>
         </p:txBody>
@@ -7596,7 +7808,7 @@
         </p:nvSpPr>
         <p:spPr>
           <a:xfrm>
-            <a:off x="3669213" y="8518867"/>
+            <a:off x="3669211" y="7391400"/>
             <a:ext cx="8917577" cy="524133"/>
           </a:xfrm>
         </p:spPr>
@@ -7627,6 +7839,161 @@
             <a:r>
               <a:rPr lang="en-US" dirty="0" smtClean="0"/>
               <a:t>/something</a:t>
+            </a:r>
+            <a:endParaRPr lang="en-US" dirty="0"/>
+          </a:p>
+        </p:txBody>
+      </p:sp>
+      <p:sp>
+        <p:nvSpPr>
+          <p:cNvPr id="3" name="Slide Number Placeholder 2"/>
+          <p:cNvSpPr>
+            <a:spLocks noGrp="1"/>
+          </p:cNvSpPr>
+          <p:nvPr>
+            <p:ph type="sldNum" sz="quarter" idx="14"/>
+          </p:nvPr>
+        </p:nvSpPr>
+        <p:spPr>
+          <a:xfrm>
+            <a:off x="6299200" y="8485496"/>
+            <a:ext cx="3657600" cy="485775"/>
+          </a:xfrm>
+        </p:spPr>
+        <p:txBody>
+          <a:bodyPr/>
+          <a:lstStyle/>
+          <a:p>
+            <a:fld id="{F32B063D-AEFC-43D4-892A-5496DB603272}" type="slidenum">
+              <a:rPr lang="en-US" smtClean="0"/>
+              <a:pPr/>
+              <a:t>‹#›</a:t>
+            </a:fld>
+            <a:endParaRPr lang="en-US" dirty="0"/>
+          </a:p>
+        </p:txBody>
+      </p:sp>
+      <p:sp>
+        <p:nvSpPr>
+          <p:cNvPr id="8" name="object 41"/>
+          <p:cNvSpPr txBox="1">
+            <a:spLocks/>
+          </p:cNvSpPr>
+          <p:nvPr userDrawn="1"/>
+        </p:nvSpPr>
+        <p:spPr>
+          <a:xfrm>
+            <a:off x="7850496" y="8547113"/>
+            <a:ext cx="533400" cy="251143"/>
+          </a:xfrm>
+          <a:prstGeom prst="rect">
+            <a:avLst/>
+          </a:prstGeom>
+        </p:spPr>
+        <p:txBody>
+          <a:bodyPr vert="horz" wrap="square" lIns="0" tIns="0" rIns="0" bIns="0" rtlCol="0">
+            <a:spAutoFit/>
+          </a:bodyPr>
+          <a:lstStyle>
+            <a:defPPr>
+              <a:defRPr lang="en-US"/>
+            </a:defPPr>
+            <a:lvl1pPr marL="0" algn="l" defTabSz="914400" rtl="0" eaLnBrk="1" latinLnBrk="0" hangingPunct="1">
+              <a:defRPr sz="1600" b="0" i="0" kern="1200">
+                <a:solidFill>
+                  <a:schemeClr val="tx1"/>
+                </a:solidFill>
+                <a:latin typeface="Gill Sans MT"/>
+                <a:ea typeface="+mn-ea"/>
+                <a:cs typeface="Gill Sans MT"/>
+              </a:defRPr>
+            </a:lvl1pPr>
+            <a:lvl2pPr marL="457200" algn="l" defTabSz="914400" rtl="0" eaLnBrk="1" latinLnBrk="0" hangingPunct="1">
+              <a:defRPr sz="1800" kern="1200">
+                <a:solidFill>
+                  <a:schemeClr val="tx1"/>
+                </a:solidFill>
+                <a:latin typeface="+mn-lt"/>
+                <a:ea typeface="+mn-ea"/>
+                <a:cs typeface="+mn-cs"/>
+              </a:defRPr>
+            </a:lvl2pPr>
+            <a:lvl3pPr marL="914400" algn="l" defTabSz="914400" rtl="0" eaLnBrk="1" latinLnBrk="0" hangingPunct="1">
+              <a:defRPr sz="1800" kern="1200">
+                <a:solidFill>
+                  <a:schemeClr val="tx1"/>
+                </a:solidFill>
+                <a:latin typeface="+mn-lt"/>
+                <a:ea typeface="+mn-ea"/>
+                <a:cs typeface="+mn-cs"/>
+              </a:defRPr>
+            </a:lvl3pPr>
+            <a:lvl4pPr marL="1371600" algn="l" defTabSz="914400" rtl="0" eaLnBrk="1" latinLnBrk="0" hangingPunct="1">
+              <a:defRPr sz="1800" kern="1200">
+                <a:solidFill>
+                  <a:schemeClr val="tx1"/>
+                </a:solidFill>
+                <a:latin typeface="+mn-lt"/>
+                <a:ea typeface="+mn-ea"/>
+                <a:cs typeface="+mn-cs"/>
+              </a:defRPr>
+            </a:lvl4pPr>
+            <a:lvl5pPr marL="1828800" algn="l" defTabSz="914400" rtl="0" eaLnBrk="1" latinLnBrk="0" hangingPunct="1">
+              <a:defRPr sz="1800" kern="1200">
+                <a:solidFill>
+                  <a:schemeClr val="tx1"/>
+                </a:solidFill>
+                <a:latin typeface="+mn-lt"/>
+                <a:ea typeface="+mn-ea"/>
+                <a:cs typeface="+mn-cs"/>
+              </a:defRPr>
+            </a:lvl5pPr>
+            <a:lvl6pPr marL="2286000" algn="l" defTabSz="914400" rtl="0" eaLnBrk="1" latinLnBrk="0" hangingPunct="1">
+              <a:defRPr sz="1800" kern="1200">
+                <a:solidFill>
+                  <a:schemeClr val="tx1"/>
+                </a:solidFill>
+                <a:latin typeface="+mn-lt"/>
+                <a:ea typeface="+mn-ea"/>
+                <a:cs typeface="+mn-cs"/>
+              </a:defRPr>
+            </a:lvl6pPr>
+            <a:lvl7pPr marL="2743200" algn="l" defTabSz="914400" rtl="0" eaLnBrk="1" latinLnBrk="0" hangingPunct="1">
+              <a:defRPr sz="1800" kern="1200">
+                <a:solidFill>
+                  <a:schemeClr val="tx1"/>
+                </a:solidFill>
+                <a:latin typeface="+mn-lt"/>
+                <a:ea typeface="+mn-ea"/>
+                <a:cs typeface="+mn-cs"/>
+              </a:defRPr>
+            </a:lvl7pPr>
+            <a:lvl8pPr marL="3200400" algn="l" defTabSz="914400" rtl="0" eaLnBrk="1" latinLnBrk="0" hangingPunct="1">
+              <a:defRPr sz="1800" kern="1200">
+                <a:solidFill>
+                  <a:schemeClr val="tx1"/>
+                </a:solidFill>
+                <a:latin typeface="+mn-lt"/>
+                <a:ea typeface="+mn-ea"/>
+                <a:cs typeface="+mn-cs"/>
+              </a:defRPr>
+            </a:lvl8pPr>
+            <a:lvl9pPr marL="3657600" algn="l" defTabSz="914400" rtl="0" eaLnBrk="1" latinLnBrk="0" hangingPunct="1">
+              <a:defRPr sz="1800" kern="1200">
+                <a:solidFill>
+                  <a:schemeClr val="tx1"/>
+                </a:solidFill>
+                <a:latin typeface="+mn-lt"/>
+                <a:ea typeface="+mn-ea"/>
+                <a:cs typeface="+mn-cs"/>
+              </a:defRPr>
+            </a:lvl9pPr>
+          </a:lstStyle>
+          <a:p>
+            <a:pPr marL="25400"/>
+            <a:r>
+              <a:rPr lang="en-US" dirty="0" smtClean="0"/>
+              <a:t>8-</a:t>
             </a:r>
             <a:endParaRPr lang="en-US" dirty="0"/>
           </a:p>
@@ -18537,6 +18904,132 @@
           </a:p>
         </p:txBody>
       </p:sp>
+      <p:sp>
+        <p:nvSpPr>
+          <p:cNvPr id="132" name="object 41"/>
+          <p:cNvSpPr txBox="1">
+            <a:spLocks/>
+          </p:cNvSpPr>
+          <p:nvPr/>
+        </p:nvSpPr>
+        <p:spPr>
+          <a:xfrm>
+            <a:off x="7865736" y="8547113"/>
+            <a:ext cx="533400" cy="251143"/>
+          </a:xfrm>
+          <a:prstGeom prst="rect">
+            <a:avLst/>
+          </a:prstGeom>
+        </p:spPr>
+        <p:txBody>
+          <a:bodyPr vert="horz" wrap="square" lIns="0" tIns="0" rIns="0" bIns="0" rtlCol="0">
+            <a:spAutoFit/>
+          </a:bodyPr>
+          <a:lstStyle>
+            <a:defPPr>
+              <a:defRPr lang="en-US"/>
+            </a:defPPr>
+            <a:lvl1pPr marL="0" algn="l" defTabSz="914400" rtl="0" eaLnBrk="1" latinLnBrk="0" hangingPunct="1">
+              <a:defRPr sz="1600" b="0" i="0" kern="1200">
+                <a:solidFill>
+                  <a:schemeClr val="tx1"/>
+                </a:solidFill>
+                <a:latin typeface="Gill Sans MT"/>
+                <a:ea typeface="+mn-ea"/>
+                <a:cs typeface="Gill Sans MT"/>
+              </a:defRPr>
+            </a:lvl1pPr>
+            <a:lvl2pPr marL="457200" algn="l" defTabSz="914400" rtl="0" eaLnBrk="1" latinLnBrk="0" hangingPunct="1">
+              <a:defRPr sz="1800" kern="1200">
+                <a:solidFill>
+                  <a:schemeClr val="tx1"/>
+                </a:solidFill>
+                <a:latin typeface="+mn-lt"/>
+                <a:ea typeface="+mn-ea"/>
+                <a:cs typeface="+mn-cs"/>
+              </a:defRPr>
+            </a:lvl2pPr>
+            <a:lvl3pPr marL="914400" algn="l" defTabSz="914400" rtl="0" eaLnBrk="1" latinLnBrk="0" hangingPunct="1">
+              <a:defRPr sz="1800" kern="1200">
+                <a:solidFill>
+                  <a:schemeClr val="tx1"/>
+                </a:solidFill>
+                <a:latin typeface="+mn-lt"/>
+                <a:ea typeface="+mn-ea"/>
+                <a:cs typeface="+mn-cs"/>
+              </a:defRPr>
+            </a:lvl3pPr>
+            <a:lvl4pPr marL="1371600" algn="l" defTabSz="914400" rtl="0" eaLnBrk="1" latinLnBrk="0" hangingPunct="1">
+              <a:defRPr sz="1800" kern="1200">
+                <a:solidFill>
+                  <a:schemeClr val="tx1"/>
+                </a:solidFill>
+                <a:latin typeface="+mn-lt"/>
+                <a:ea typeface="+mn-ea"/>
+                <a:cs typeface="+mn-cs"/>
+              </a:defRPr>
+            </a:lvl4pPr>
+            <a:lvl5pPr marL="1828800" algn="l" defTabSz="914400" rtl="0" eaLnBrk="1" latinLnBrk="0" hangingPunct="1">
+              <a:defRPr sz="1800" kern="1200">
+                <a:solidFill>
+                  <a:schemeClr val="tx1"/>
+                </a:solidFill>
+                <a:latin typeface="+mn-lt"/>
+                <a:ea typeface="+mn-ea"/>
+                <a:cs typeface="+mn-cs"/>
+              </a:defRPr>
+            </a:lvl5pPr>
+            <a:lvl6pPr marL="2286000" algn="l" defTabSz="914400" rtl="0" eaLnBrk="1" latinLnBrk="0" hangingPunct="1">
+              <a:defRPr sz="1800" kern="1200">
+                <a:solidFill>
+                  <a:schemeClr val="tx1"/>
+                </a:solidFill>
+                <a:latin typeface="+mn-lt"/>
+                <a:ea typeface="+mn-ea"/>
+                <a:cs typeface="+mn-cs"/>
+              </a:defRPr>
+            </a:lvl6pPr>
+            <a:lvl7pPr marL="2743200" algn="l" defTabSz="914400" rtl="0" eaLnBrk="1" latinLnBrk="0" hangingPunct="1">
+              <a:defRPr sz="1800" kern="1200">
+                <a:solidFill>
+                  <a:schemeClr val="tx1"/>
+                </a:solidFill>
+                <a:latin typeface="+mn-lt"/>
+                <a:ea typeface="+mn-ea"/>
+                <a:cs typeface="+mn-cs"/>
+              </a:defRPr>
+            </a:lvl7pPr>
+            <a:lvl8pPr marL="3200400" algn="l" defTabSz="914400" rtl="0" eaLnBrk="1" latinLnBrk="0" hangingPunct="1">
+              <a:defRPr sz="1800" kern="1200">
+                <a:solidFill>
+                  <a:schemeClr val="tx1"/>
+                </a:solidFill>
+                <a:latin typeface="+mn-lt"/>
+                <a:ea typeface="+mn-ea"/>
+                <a:cs typeface="+mn-cs"/>
+              </a:defRPr>
+            </a:lvl8pPr>
+            <a:lvl9pPr marL="3657600" algn="l" defTabSz="914400" rtl="0" eaLnBrk="1" latinLnBrk="0" hangingPunct="1">
+              <a:defRPr sz="1800" kern="1200">
+                <a:solidFill>
+                  <a:schemeClr val="tx1"/>
+                </a:solidFill>
+                <a:latin typeface="+mn-lt"/>
+                <a:ea typeface="+mn-ea"/>
+                <a:cs typeface="+mn-cs"/>
+              </a:defRPr>
+            </a:lvl9pPr>
+          </a:lstStyle>
+          <a:p>
+            <a:pPr marL="25400"/>
+            <a:r>
+              <a:rPr lang="en-US" dirty="0" smtClean="0"/>
+              <a:t>8-</a:t>
+            </a:r>
+            <a:endParaRPr lang="en-US" dirty="0"/>
+          </a:p>
+        </p:txBody>
+      </p:sp>
     </p:spTree>
   </p:cSld>
   <p:clrMapOvr>
@@ -26790,7 +27283,7 @@
         </p:nvSpPr>
         <p:spPr>
           <a:xfrm>
-            <a:off x="787400" y="7027705"/>
+            <a:off x="787400" y="6781800"/>
             <a:ext cx="6234430" cy="677108"/>
           </a:xfrm>
           <a:prstGeom prst="rect">
@@ -27135,7 +27628,7 @@
         </p:nvSpPr>
         <p:spPr>
           <a:xfrm>
-            <a:off x="800100" y="7708900"/>
+            <a:off x="800100" y="7467600"/>
             <a:ext cx="14655800" cy="1028700"/>
           </a:xfrm>
           <a:prstGeom prst="rect">
@@ -27362,15 +27855,42 @@
             <p:ph sz="quarter" idx="13"/>
           </p:nvPr>
         </p:nvSpPr>
-        <p:spPr/>
+        <p:spPr>
+          <a:xfrm>
+            <a:off x="9327605" y="8305799"/>
+            <a:ext cx="6135190" cy="781427"/>
+          </a:xfrm>
+        </p:spPr>
         <p:txBody>
           <a:bodyPr/>
           <a:lstStyle/>
           <a:p>
             <a:r>
-              <a:rPr lang="en-US" dirty="0"/>
-              <a:t>http://www.foodcritic.io/#FC003</a:t>
-            </a:r>
+              <a:rPr lang="en-US" b="1" dirty="0">
+                <a:solidFill>
+                  <a:srgbClr val="3333FF"/>
+                </a:solidFill>
+                <a:hlinkClick r:id="rId3"/>
+              </a:rPr>
+              <a:t>http://www.foodcritic.io/#</a:t>
+            </a:r>
+            <a:r>
+              <a:rPr lang="en-US" b="1" dirty="0" smtClean="0">
+                <a:solidFill>
+                  <a:srgbClr val="3333FF"/>
+                </a:solidFill>
+                <a:hlinkClick r:id="rId3"/>
+              </a:rPr>
+              <a:t>FC003</a:t>
+            </a:r>
+            <a:endParaRPr lang="en-US" b="1" dirty="0" smtClean="0">
+              <a:solidFill>
+                <a:srgbClr val="3333FF"/>
+              </a:solidFill>
+            </a:endParaRPr>
+          </a:p>
+          <a:p>
+            <a:endParaRPr lang="en-US" dirty="0"/>
           </a:p>
         </p:txBody>
       </p:sp>
@@ -27498,6 +28018,30 @@
           <a:lstStyle/>
           <a:p>
             <a:pPr algn="ctr"/>
+            <a:endParaRPr lang="en-US" dirty="0"/>
+          </a:p>
+        </p:txBody>
+      </p:sp>
+      <p:sp>
+        <p:nvSpPr>
+          <p:cNvPr id="4" name="Slide Number Placeholder 3"/>
+          <p:cNvSpPr>
+            <a:spLocks noGrp="1"/>
+          </p:cNvSpPr>
+          <p:nvPr>
+            <p:ph type="sldNum" sz="quarter" idx="14"/>
+          </p:nvPr>
+        </p:nvSpPr>
+        <p:spPr/>
+        <p:txBody>
+          <a:bodyPr/>
+          <a:lstStyle/>
+          <a:p>
+            <a:fld id="{F32B063D-AEFC-43D4-892A-5496DB603272}" type="slidenum">
+              <a:rPr lang="en-US" smtClean="0"/>
+              <a:pPr/>
+              <a:t>13</a:t>
+            </a:fld>
             <a:endParaRPr lang="en-US" dirty="0"/>
           </a:p>
         </p:txBody>
@@ -43740,6 +44284,132 @@
           </a:p>
         </p:txBody>
       </p:sp>
+      <p:sp>
+        <p:nvSpPr>
+          <p:cNvPr id="42" name="object 41"/>
+          <p:cNvSpPr txBox="1">
+            <a:spLocks/>
+          </p:cNvSpPr>
+          <p:nvPr/>
+        </p:nvSpPr>
+        <p:spPr>
+          <a:xfrm>
+            <a:off x="7850496" y="8547113"/>
+            <a:ext cx="533400" cy="251143"/>
+          </a:xfrm>
+          <a:prstGeom prst="rect">
+            <a:avLst/>
+          </a:prstGeom>
+        </p:spPr>
+        <p:txBody>
+          <a:bodyPr vert="horz" wrap="square" lIns="0" tIns="0" rIns="0" bIns="0" rtlCol="0">
+            <a:spAutoFit/>
+          </a:bodyPr>
+          <a:lstStyle>
+            <a:defPPr>
+              <a:defRPr lang="en-US"/>
+            </a:defPPr>
+            <a:lvl1pPr marL="0" algn="l" defTabSz="914400" rtl="0" eaLnBrk="1" latinLnBrk="0" hangingPunct="1">
+              <a:defRPr sz="1600" b="0" i="0" kern="1200">
+                <a:solidFill>
+                  <a:schemeClr val="tx1"/>
+                </a:solidFill>
+                <a:latin typeface="Gill Sans MT"/>
+                <a:ea typeface="+mn-ea"/>
+                <a:cs typeface="Gill Sans MT"/>
+              </a:defRPr>
+            </a:lvl1pPr>
+            <a:lvl2pPr marL="457200" algn="l" defTabSz="914400" rtl="0" eaLnBrk="1" latinLnBrk="0" hangingPunct="1">
+              <a:defRPr sz="1800" kern="1200">
+                <a:solidFill>
+                  <a:schemeClr val="tx1"/>
+                </a:solidFill>
+                <a:latin typeface="+mn-lt"/>
+                <a:ea typeface="+mn-ea"/>
+                <a:cs typeface="+mn-cs"/>
+              </a:defRPr>
+            </a:lvl2pPr>
+            <a:lvl3pPr marL="914400" algn="l" defTabSz="914400" rtl="0" eaLnBrk="1" latinLnBrk="0" hangingPunct="1">
+              <a:defRPr sz="1800" kern="1200">
+                <a:solidFill>
+                  <a:schemeClr val="tx1"/>
+                </a:solidFill>
+                <a:latin typeface="+mn-lt"/>
+                <a:ea typeface="+mn-ea"/>
+                <a:cs typeface="+mn-cs"/>
+              </a:defRPr>
+            </a:lvl3pPr>
+            <a:lvl4pPr marL="1371600" algn="l" defTabSz="914400" rtl="0" eaLnBrk="1" latinLnBrk="0" hangingPunct="1">
+              <a:defRPr sz="1800" kern="1200">
+                <a:solidFill>
+                  <a:schemeClr val="tx1"/>
+                </a:solidFill>
+                <a:latin typeface="+mn-lt"/>
+                <a:ea typeface="+mn-ea"/>
+                <a:cs typeface="+mn-cs"/>
+              </a:defRPr>
+            </a:lvl4pPr>
+            <a:lvl5pPr marL="1828800" algn="l" defTabSz="914400" rtl="0" eaLnBrk="1" latinLnBrk="0" hangingPunct="1">
+              <a:defRPr sz="1800" kern="1200">
+                <a:solidFill>
+                  <a:schemeClr val="tx1"/>
+                </a:solidFill>
+                <a:latin typeface="+mn-lt"/>
+                <a:ea typeface="+mn-ea"/>
+                <a:cs typeface="+mn-cs"/>
+              </a:defRPr>
+            </a:lvl5pPr>
+            <a:lvl6pPr marL="2286000" algn="l" defTabSz="914400" rtl="0" eaLnBrk="1" latinLnBrk="0" hangingPunct="1">
+              <a:defRPr sz="1800" kern="1200">
+                <a:solidFill>
+                  <a:schemeClr val="tx1"/>
+                </a:solidFill>
+                <a:latin typeface="+mn-lt"/>
+                <a:ea typeface="+mn-ea"/>
+                <a:cs typeface="+mn-cs"/>
+              </a:defRPr>
+            </a:lvl6pPr>
+            <a:lvl7pPr marL="2743200" algn="l" defTabSz="914400" rtl="0" eaLnBrk="1" latinLnBrk="0" hangingPunct="1">
+              <a:defRPr sz="1800" kern="1200">
+                <a:solidFill>
+                  <a:schemeClr val="tx1"/>
+                </a:solidFill>
+                <a:latin typeface="+mn-lt"/>
+                <a:ea typeface="+mn-ea"/>
+                <a:cs typeface="+mn-cs"/>
+              </a:defRPr>
+            </a:lvl7pPr>
+            <a:lvl8pPr marL="3200400" algn="l" defTabSz="914400" rtl="0" eaLnBrk="1" latinLnBrk="0" hangingPunct="1">
+              <a:defRPr sz="1800" kern="1200">
+                <a:solidFill>
+                  <a:schemeClr val="tx1"/>
+                </a:solidFill>
+                <a:latin typeface="+mn-lt"/>
+                <a:ea typeface="+mn-ea"/>
+                <a:cs typeface="+mn-cs"/>
+              </a:defRPr>
+            </a:lvl8pPr>
+            <a:lvl9pPr marL="3657600" algn="l" defTabSz="914400" rtl="0" eaLnBrk="1" latinLnBrk="0" hangingPunct="1">
+              <a:defRPr sz="1800" kern="1200">
+                <a:solidFill>
+                  <a:schemeClr val="tx1"/>
+                </a:solidFill>
+                <a:latin typeface="+mn-lt"/>
+                <a:ea typeface="+mn-ea"/>
+                <a:cs typeface="+mn-cs"/>
+              </a:defRPr>
+            </a:lvl9pPr>
+          </a:lstStyle>
+          <a:p>
+            <a:pPr marL="25400"/>
+            <a:r>
+              <a:rPr lang="en-US" dirty="0" smtClean="0"/>
+              <a:t>8-</a:t>
+            </a:r>
+            <a:endParaRPr lang="en-US" dirty="0"/>
+          </a:p>
+        </p:txBody>
+      </p:sp>
     </p:spTree>
   </p:cSld>
   <p:clrMapOvr>
@@ -49993,14 +50663,7 @@
                 <a:latin typeface="Arial"/>
                 <a:cs typeface="Arial"/>
               </a:rPr>
-              <a:t>at:  .\</a:t>
-            </a:r>
-            <a:r>
-              <a:rPr lang="en-US" sz="4800" spc="-10" dirty="0" smtClean="0">
-                <a:latin typeface="Arial"/>
-                <a:cs typeface="Arial"/>
-              </a:rPr>
-              <a:t>chefdk\embedded\bin\foodcritic</a:t>
+              <a:t>at:  .\chefdk\embedded\bin\foodcritic</a:t>
             </a:r>
             <a:endParaRPr lang="en-US" sz="4800" spc="-10" dirty="0">
               <a:latin typeface="Arial"/>
@@ -51121,7 +51784,7 @@
         <p:spPr>
           <a:xfrm>
             <a:off x="800100" y="3200400"/>
-            <a:ext cx="15036800" cy="5588000"/>
+            <a:ext cx="15036800" cy="5225568"/>
           </a:xfrm>
           <a:custGeom>
             <a:avLst/>
@@ -51153,59 +51816,6 @@
           <a:solidFill>
             <a:srgbClr val="000000"/>
           </a:solidFill>
-        </p:spPr>
-        <p:txBody>
-          <a:bodyPr wrap="square" lIns="0" tIns="0" rIns="0" bIns="0" rtlCol="0"/>
-          <a:lstStyle/>
-          <a:p>
-            <a:endParaRPr dirty="0"/>
-          </a:p>
-        </p:txBody>
-      </p:sp>
-      <p:sp>
-        <p:nvSpPr>
-          <p:cNvPr id="42" name="object 42"/>
-          <p:cNvSpPr/>
-          <p:nvPr/>
-        </p:nvSpPr>
-        <p:spPr>
-          <a:xfrm>
-            <a:off x="800100" y="3200400"/>
-            <a:ext cx="15036800" cy="5588000"/>
-          </a:xfrm>
-          <a:custGeom>
-            <a:avLst/>
-            <a:gdLst/>
-            <a:ahLst/>
-            <a:cxnLst/>
-            <a:rect l="l" t="t" r="r" b="b"/>
-            <a:pathLst>
-              <a:path w="15036800" h="5588000">
-                <a:moveTo>
-                  <a:pt x="0" y="0"/>
-                </a:moveTo>
-                <a:lnTo>
-                  <a:pt x="15036800" y="0"/>
-                </a:lnTo>
-                <a:lnTo>
-                  <a:pt x="15036800" y="5588000"/>
-                </a:lnTo>
-                <a:lnTo>
-                  <a:pt x="0" y="5588000"/>
-                </a:lnTo>
-                <a:lnTo>
-                  <a:pt x="0" y="0"/>
-                </a:lnTo>
-                <a:close/>
-              </a:path>
-            </a:pathLst>
-          </a:custGeom>
-          <a:ln w="25400">
-            <a:solidFill>
-              <a:srgbClr val="435363"/>
-            </a:solidFill>
-            <a:prstDash val="lgDash"/>
-          </a:ln>
         </p:spPr>
         <p:txBody>
           <a:bodyPr wrap="square" lIns="0" tIns="0" rIns="0" bIns="0" rtlCol="0"/>
